--- a/etc/A조 프로토타입 발표.pptx
+++ b/etc/A조 프로토타입 발표.pptx
@@ -219,7 +219,7 @@
           <a:p>
             <a:fld id="{BAB0EF52-0BC9-4FAB-B538-F1BCB30B3D84}" type="datetimeFigureOut">
               <a:rPr lang="ko-KR" altLang="en-US" smtClean="0"/>
-              <a:t>2023-06-26</a:t>
+              <a:t>2023-06-29</a:t>
             </a:fld>
             <a:endParaRPr lang="ko-KR" altLang="en-US"/>
           </a:p>
@@ -1121,7 +1121,7 @@
           <a:p>
             <a:fld id="{63398173-0E1E-4132-A695-781E3AD47F04}" type="datetimeFigureOut">
               <a:rPr lang="ko-KR" altLang="en-US" smtClean="0"/>
-              <a:t>2023-06-26</a:t>
+              <a:t>2023-06-29</a:t>
             </a:fld>
             <a:endParaRPr lang="ko-KR" altLang="en-US"/>
           </a:p>
@@ -1291,7 +1291,7 @@
           <a:p>
             <a:fld id="{63398173-0E1E-4132-A695-781E3AD47F04}" type="datetimeFigureOut">
               <a:rPr lang="ko-KR" altLang="en-US" smtClean="0"/>
-              <a:t>2023-06-26</a:t>
+              <a:t>2023-06-29</a:t>
             </a:fld>
             <a:endParaRPr lang="ko-KR" altLang="en-US"/>
           </a:p>
@@ -1471,7 +1471,7 @@
           <a:p>
             <a:fld id="{63398173-0E1E-4132-A695-781E3AD47F04}" type="datetimeFigureOut">
               <a:rPr lang="ko-KR" altLang="en-US" smtClean="0"/>
-              <a:t>2023-06-26</a:t>
+              <a:t>2023-06-29</a:t>
             </a:fld>
             <a:endParaRPr lang="ko-KR" altLang="en-US"/>
           </a:p>
@@ -1641,7 +1641,7 @@
           <a:p>
             <a:fld id="{63398173-0E1E-4132-A695-781E3AD47F04}" type="datetimeFigureOut">
               <a:rPr lang="ko-KR" altLang="en-US" smtClean="0"/>
-              <a:t>2023-06-26</a:t>
+              <a:t>2023-06-29</a:t>
             </a:fld>
             <a:endParaRPr lang="ko-KR" altLang="en-US"/>
           </a:p>
@@ -1887,7 +1887,7 @@
           <a:p>
             <a:fld id="{63398173-0E1E-4132-A695-781E3AD47F04}" type="datetimeFigureOut">
               <a:rPr lang="ko-KR" altLang="en-US" smtClean="0"/>
-              <a:t>2023-06-26</a:t>
+              <a:t>2023-06-29</a:t>
             </a:fld>
             <a:endParaRPr lang="ko-KR" altLang="en-US"/>
           </a:p>
@@ -2119,7 +2119,7 @@
           <a:p>
             <a:fld id="{63398173-0E1E-4132-A695-781E3AD47F04}" type="datetimeFigureOut">
               <a:rPr lang="ko-KR" altLang="en-US" smtClean="0"/>
-              <a:t>2023-06-26</a:t>
+              <a:t>2023-06-29</a:t>
             </a:fld>
             <a:endParaRPr lang="ko-KR" altLang="en-US"/>
           </a:p>
@@ -2486,7 +2486,7 @@
           <a:p>
             <a:fld id="{63398173-0E1E-4132-A695-781E3AD47F04}" type="datetimeFigureOut">
               <a:rPr lang="ko-KR" altLang="en-US" smtClean="0"/>
-              <a:t>2023-06-26</a:t>
+              <a:t>2023-06-29</a:t>
             </a:fld>
             <a:endParaRPr lang="ko-KR" altLang="en-US"/>
           </a:p>
@@ -2604,7 +2604,7 @@
           <a:p>
             <a:fld id="{63398173-0E1E-4132-A695-781E3AD47F04}" type="datetimeFigureOut">
               <a:rPr lang="ko-KR" altLang="en-US" smtClean="0"/>
-              <a:t>2023-06-26</a:t>
+              <a:t>2023-06-29</a:t>
             </a:fld>
             <a:endParaRPr lang="ko-KR" altLang="en-US"/>
           </a:p>
@@ -2699,7 +2699,7 @@
           <a:p>
             <a:fld id="{63398173-0E1E-4132-A695-781E3AD47F04}" type="datetimeFigureOut">
               <a:rPr lang="ko-KR" altLang="en-US" smtClean="0"/>
-              <a:t>2023-06-26</a:t>
+              <a:t>2023-06-29</a:t>
             </a:fld>
             <a:endParaRPr lang="ko-KR" altLang="en-US"/>
           </a:p>
@@ -2976,7 +2976,7 @@
           <a:p>
             <a:fld id="{63398173-0E1E-4132-A695-781E3AD47F04}" type="datetimeFigureOut">
               <a:rPr lang="ko-KR" altLang="en-US" smtClean="0"/>
-              <a:t>2023-06-26</a:t>
+              <a:t>2023-06-29</a:t>
             </a:fld>
             <a:endParaRPr lang="ko-KR" altLang="en-US"/>
           </a:p>
@@ -3233,7 +3233,7 @@
           <a:p>
             <a:fld id="{63398173-0E1E-4132-A695-781E3AD47F04}" type="datetimeFigureOut">
               <a:rPr lang="ko-KR" altLang="en-US" smtClean="0"/>
-              <a:t>2023-06-26</a:t>
+              <a:t>2023-06-29</a:t>
             </a:fld>
             <a:endParaRPr lang="ko-KR" altLang="en-US"/>
           </a:p>
@@ -3446,7 +3446,7 @@
           <a:p>
             <a:fld id="{63398173-0E1E-4132-A695-781E3AD47F04}" type="datetimeFigureOut">
               <a:rPr lang="ko-KR" altLang="en-US" smtClean="0"/>
-              <a:t>2023-06-26</a:t>
+              <a:t>2023-06-29</a:t>
             </a:fld>
             <a:endParaRPr lang="ko-KR" altLang="en-US"/>
           </a:p>
@@ -18433,8 +18433,19 @@
                   <a:latin typeface="+mj-ea"/>
                   <a:ea typeface="+mj-ea"/>
                 </a:rPr>
-                <a:t>- GitHub</a:t>
+                <a:t>- </a:t>
               </a:r>
+              <a:r>
+                <a:rPr lang="en-US" altLang="ko-KR" sz="1600" b="1">
+                  <a:latin typeface="+mj-ea"/>
+                  <a:ea typeface="+mj-ea"/>
+                </a:rPr>
+                <a:t>GitHub                    - AWS</a:t>
+              </a:r>
+              <a:endParaRPr lang="en-US" altLang="ko-KR" sz="1600" b="1" dirty="0">
+                <a:latin typeface="+mj-ea"/>
+                <a:ea typeface="+mj-ea"/>
+              </a:endParaRPr>
             </a:p>
           </p:txBody>
         </p:sp>
